--- a/Project Presentation (1).pptx
+++ b/Project Presentation (1).pptx
@@ -813,7 +813,7 @@
   <p:cSld>
     <p:spTree>
       <p:nvGrpSpPr>
-        <p:cNvPr id="329" name="Shape 329"/>
+        <p:cNvPr id="337" name="Shape 337"/>
         <p:cNvGrpSpPr/>
         <p:nvPr/>
       </p:nvGrpSpPr>
@@ -827,7 +827,7 @@
       </p:grpSpPr>
       <p:sp>
         <p:nvSpPr>
-          <p:cNvPr id="330" name="Google Shape;330;g24de084ee5b_0_15:notes"/>
+          <p:cNvPr id="338" name="Google Shape;338;g24de084ee5b_0_15:notes"/>
           <p:cNvSpPr/>
           <p:nvPr>
             <p:ph idx="2" type="sldImg"/>
@@ -862,7 +862,7 @@
       </p:sp>
       <p:sp>
         <p:nvSpPr>
-          <p:cNvPr id="331" name="Google Shape;331;g24de084ee5b_0_15:notes"/>
+          <p:cNvPr id="339" name="Google Shape;339;g24de084ee5b_0_15:notes"/>
           <p:cNvSpPr txBox="1"/>
           <p:nvPr>
             <p:ph idx="1" type="body"/>
@@ -1407,7 +1407,7 @@
   <p:cSld>
     <p:spTree>
       <p:nvGrpSpPr>
-        <p:cNvPr id="311" name="Shape 311"/>
+        <p:cNvPr id="313" name="Shape 313"/>
         <p:cNvGrpSpPr/>
         <p:nvPr/>
       </p:nvGrpSpPr>
@@ -1421,7 +1421,7 @@
       </p:grpSpPr>
       <p:sp>
         <p:nvSpPr>
-          <p:cNvPr id="312" name="Google Shape;312;g24de084ee5b_0_37:notes"/>
+          <p:cNvPr id="314" name="Google Shape;314;g24de084ee5b_0_37:notes"/>
           <p:cNvSpPr/>
           <p:nvPr>
             <p:ph idx="2" type="sldImg"/>
@@ -1456,7 +1456,7 @@
       </p:sp>
       <p:sp>
         <p:nvSpPr>
-          <p:cNvPr id="313" name="Google Shape;313;g24de084ee5b_0_37:notes"/>
+          <p:cNvPr id="315" name="Google Shape;315;g24de084ee5b_0_37:notes"/>
           <p:cNvSpPr txBox="1"/>
           <p:nvPr>
             <p:ph idx="1" type="body"/>
@@ -1506,7 +1506,7 @@
   <p:cSld>
     <p:spTree>
       <p:nvGrpSpPr>
-        <p:cNvPr id="317" name="Shape 317"/>
+        <p:cNvPr id="320" name="Shape 320"/>
         <p:cNvGrpSpPr/>
         <p:nvPr/>
       </p:nvGrpSpPr>
@@ -1520,7 +1520,7 @@
       </p:grpSpPr>
       <p:sp>
         <p:nvSpPr>
-          <p:cNvPr id="318" name="Google Shape;318;g24de084ee5b_0_30:notes"/>
+          <p:cNvPr id="321" name="Google Shape;321;g24de084ee5b_0_30:notes"/>
           <p:cNvSpPr/>
           <p:nvPr>
             <p:ph idx="2" type="sldImg"/>
@@ -1555,7 +1555,7 @@
       </p:sp>
       <p:sp>
         <p:nvSpPr>
-          <p:cNvPr id="319" name="Google Shape;319;g24de084ee5b_0_30:notes"/>
+          <p:cNvPr id="322" name="Google Shape;322;g24de084ee5b_0_30:notes"/>
           <p:cNvSpPr txBox="1"/>
           <p:nvPr>
             <p:ph idx="1" type="body"/>
@@ -1605,7 +1605,7 @@
   <p:cSld>
     <p:spTree>
       <p:nvGrpSpPr>
-        <p:cNvPr id="323" name="Shape 323"/>
+        <p:cNvPr id="328" name="Shape 328"/>
         <p:cNvGrpSpPr/>
         <p:nvPr/>
       </p:nvGrpSpPr>
@@ -1619,7 +1619,7 @@
       </p:grpSpPr>
       <p:sp>
         <p:nvSpPr>
-          <p:cNvPr id="324" name="Google Shape;324;g24e07784b53_0_0:notes"/>
+          <p:cNvPr id="329" name="Google Shape;329;g24e07784b53_0_0:notes"/>
           <p:cNvSpPr/>
           <p:nvPr>
             <p:ph idx="2" type="sldImg"/>
@@ -1654,7 +1654,7 @@
       </p:sp>
       <p:sp>
         <p:nvSpPr>
-          <p:cNvPr id="325" name="Google Shape;325;g24e07784b53_0_0:notes"/>
+          <p:cNvPr id="330" name="Google Shape;330;g24e07784b53_0_0:notes"/>
           <p:cNvSpPr txBox="1"/>
           <p:nvPr>
             <p:ph idx="1" type="body"/>
@@ -16096,7 +16096,7 @@
   <p:cSld>
     <p:spTree>
       <p:nvGrpSpPr>
-        <p:cNvPr id="332" name="Shape 332"/>
+        <p:cNvPr id="340" name="Shape 340"/>
         <p:cNvGrpSpPr/>
         <p:nvPr/>
       </p:nvGrpSpPr>
@@ -16110,7 +16110,7 @@
       </p:grpSpPr>
       <p:sp>
         <p:nvSpPr>
-          <p:cNvPr id="333" name="Google Shape;333;p22"/>
+          <p:cNvPr id="341" name="Google Shape;341;p22"/>
           <p:cNvSpPr txBox="1"/>
           <p:nvPr>
             <p:ph type="title"/>
@@ -16262,7 +16262,7 @@
                 <a:spcPts val="1200"/>
               </a:spcBef>
               <a:spcAft>
-                <a:spcPts val="1200"/>
+                <a:spcPts val="0"/>
               </a:spcAft>
               <a:buClr>
                 <a:schemeClr val="dk1"/>
@@ -16273,7 +16273,49 @@
             </a:pPr>
             <a:r>
               <a:rPr lang="en" sz="1700"/>
-              <a:t>User also has the option to leave reviews to particular movies</a:t>
+              <a:t>User has access to review keys for movie.</a:t>
+            </a:r>
+            <a:endParaRPr sz="1700"/>
+          </a:p>
+          <a:p>
+            <a:pPr indent="0" lvl="0" marL="0" rtl="0" algn="l">
+              <a:spcBef>
+                <a:spcPts val="1200"/>
+              </a:spcBef>
+              <a:spcAft>
+                <a:spcPts val="0"/>
+              </a:spcAft>
+              <a:buClr>
+                <a:schemeClr val="dk1"/>
+              </a:buClr>
+              <a:buSzPts val="1100"/>
+              <a:buFont typeface="Arial"/>
+              <a:buNone/>
+            </a:pPr>
+            <a:r>
+              <a:rPr lang="en" sz="1700"/>
+              <a:t>Option to update data aspects or delete rows.</a:t>
+            </a:r>
+            <a:endParaRPr sz="1700"/>
+          </a:p>
+          <a:p>
+            <a:pPr indent="0" lvl="0" marL="0" rtl="0" algn="l">
+              <a:spcBef>
+                <a:spcPts val="1200"/>
+              </a:spcBef>
+              <a:spcAft>
+                <a:spcPts val="1200"/>
+              </a:spcAft>
+              <a:buClr>
+                <a:schemeClr val="dk1"/>
+              </a:buClr>
+              <a:buSzPts val="1100"/>
+              <a:buFont typeface="Arial"/>
+              <a:buNone/>
+            </a:pPr>
+            <a:r>
+              <a:rPr lang="en" sz="1700"/>
+              <a:t>Can use pre-determined options to print out data based on criteria.</a:t>
             </a:r>
             <a:endParaRPr sz="1700"/>
           </a:p>
@@ -16861,7 +16903,7 @@
             </a:r>
             <a:r>
               <a:rPr lang="en"/>
-              <a:t>, r.Movie</a:t>
+              <a:t>, r.Movie, r.User</a:t>
             </a:r>
             <a:endParaRPr/>
           </a:p>
@@ -16927,6 +16969,60 @@
           </a:p>
         </p:txBody>
       </p:sp>
+      <p:pic>
+        <p:nvPicPr>
+          <p:cNvPr id="311" name="Google Shape;311;p18"/>
+          <p:cNvPicPr preferRelativeResize="0"/>
+          <p:nvPr/>
+        </p:nvPicPr>
+        <p:blipFill rotWithShape="1">
+          <a:blip r:embed="rId3">
+            <a:alphaModFix/>
+          </a:blip>
+          <a:srcRect b="73153" l="0" r="0" t="0"/>
+          <a:stretch/>
+        </p:blipFill>
+        <p:spPr>
+          <a:xfrm>
+            <a:off x="3827175" y="1269900"/>
+            <a:ext cx="2488400" cy="1380850"/>
+          </a:xfrm>
+          <a:prstGeom prst="rect">
+            <a:avLst/>
+          </a:prstGeom>
+          <a:noFill/>
+          <a:ln>
+            <a:noFill/>
+          </a:ln>
+        </p:spPr>
+      </p:pic>
+      <p:pic>
+        <p:nvPicPr>
+          <p:cNvPr id="312" name="Google Shape;312;p18"/>
+          <p:cNvPicPr preferRelativeResize="0"/>
+          <p:nvPr/>
+        </p:nvPicPr>
+        <p:blipFill rotWithShape="1">
+          <a:blip r:embed="rId4">
+            <a:alphaModFix/>
+          </a:blip>
+          <a:srcRect b="35807" l="0" r="0" t="16269"/>
+          <a:stretch/>
+        </p:blipFill>
+        <p:spPr>
+          <a:xfrm>
+            <a:off x="6657025" y="1114075"/>
+            <a:ext cx="2232650" cy="2465026"/>
+          </a:xfrm>
+          <a:prstGeom prst="rect">
+            <a:avLst/>
+          </a:prstGeom>
+          <a:noFill/>
+          <a:ln>
+            <a:noFill/>
+          </a:ln>
+        </p:spPr>
+      </p:pic>
     </p:spTree>
   </p:cSld>
   <p:clrMapOvr>
@@ -16940,7 +17036,7 @@
   <p:cSld>
     <p:spTree>
       <p:nvGrpSpPr>
-        <p:cNvPr id="314" name="Shape 314"/>
+        <p:cNvPr id="316" name="Shape 316"/>
         <p:cNvGrpSpPr/>
         <p:nvPr/>
       </p:nvGrpSpPr>
@@ -16954,7 +17050,7 @@
       </p:grpSpPr>
       <p:sp>
         <p:nvSpPr>
-          <p:cNvPr id="315" name="Google Shape;315;p19"/>
+          <p:cNvPr id="317" name="Google Shape;317;p19"/>
           <p:cNvSpPr txBox="1"/>
           <p:nvPr>
             <p:ph type="title"/>
@@ -16994,7 +17090,7 @@
       </p:sp>
       <p:sp>
         <p:nvSpPr>
-          <p:cNvPr id="316" name="Google Shape;316;p19"/>
+          <p:cNvPr id="318" name="Google Shape;318;p19"/>
           <p:cNvSpPr txBox="1"/>
           <p:nvPr>
             <p:ph idx="1" type="body"/>
@@ -17164,6 +17260,33 @@
           </a:p>
         </p:txBody>
       </p:sp>
+      <p:pic>
+        <p:nvPicPr>
+          <p:cNvPr id="319" name="Google Shape;319;p19"/>
+          <p:cNvPicPr preferRelativeResize="0"/>
+          <p:nvPr/>
+        </p:nvPicPr>
+        <p:blipFill rotWithShape="1">
+          <a:blip r:embed="rId3">
+            <a:alphaModFix/>
+          </a:blip>
+          <a:srcRect b="0" l="0" r="0" t="25810"/>
+          <a:stretch/>
+        </p:blipFill>
+        <p:spPr>
+          <a:xfrm>
+            <a:off x="4010750" y="1327500"/>
+            <a:ext cx="2488400" cy="3816000"/>
+          </a:xfrm>
+          <a:prstGeom prst="rect">
+            <a:avLst/>
+          </a:prstGeom>
+          <a:noFill/>
+          <a:ln>
+            <a:noFill/>
+          </a:ln>
+        </p:spPr>
+      </p:pic>
     </p:spTree>
   </p:cSld>
   <p:clrMapOvr>
@@ -17177,7 +17300,7 @@
   <p:cSld>
     <p:spTree>
       <p:nvGrpSpPr>
-        <p:cNvPr id="320" name="Shape 320"/>
+        <p:cNvPr id="323" name="Shape 323"/>
         <p:cNvGrpSpPr/>
         <p:nvPr/>
       </p:nvGrpSpPr>
@@ -17191,7 +17314,7 @@
       </p:grpSpPr>
       <p:sp>
         <p:nvSpPr>
-          <p:cNvPr id="321" name="Google Shape;321;p20"/>
+          <p:cNvPr id="324" name="Google Shape;324;p20"/>
           <p:cNvSpPr txBox="1"/>
           <p:nvPr>
             <p:ph type="title"/>
@@ -17231,7 +17354,7 @@
       </p:sp>
       <p:sp>
         <p:nvSpPr>
-          <p:cNvPr id="322" name="Google Shape;322;p20"/>
+          <p:cNvPr id="325" name="Google Shape;325;p20"/>
           <p:cNvSpPr txBox="1"/>
           <p:nvPr>
             <p:ph idx="4294967295" type="body"/>
@@ -17331,39 +17454,71 @@
                 <a:spcPts val="1200"/>
               </a:spcBef>
               <a:spcAft>
-                <a:spcPts val="0"/>
+                <a:spcPts val="1200"/>
               </a:spcAft>
               <a:buNone/>
             </a:pPr>
             <a:r>
-              <a:rPr lang="en"/>
-              <a:t>Year</a:t>
-            </a:r>
-            <a:endParaRPr/>
-          </a:p>
-          <a:p>
-            <a:pPr indent="-311150" lvl="0" marL="457200" rtl="0" algn="l">
-              <a:spcBef>
-                <a:spcPts val="1200"/>
-              </a:spcBef>
-              <a:spcAft>
-                <a:spcPts val="0"/>
-              </a:spcAft>
-              <a:buSzPts val="1300"/>
-              <a:buChar char="●"/>
-            </a:pPr>
-            <a:r>
-              <a:rPr i="1" lang="en"/>
-              <a:t>y.Number</a:t>
-            </a:r>
-            <a:r>
-              <a:rPr lang="en"/>
-              <a:t>, y.FilmRelease, y.PersonBorn, y.RunStart</a:t>
+              <a:t/>
             </a:r>
             <a:endParaRPr/>
           </a:p>
         </p:txBody>
       </p:sp>
+      <p:pic>
+        <p:nvPicPr>
+          <p:cNvPr id="326" name="Google Shape;326;p20"/>
+          <p:cNvPicPr preferRelativeResize="0"/>
+          <p:nvPr/>
+        </p:nvPicPr>
+        <p:blipFill rotWithShape="1">
+          <a:blip r:embed="rId3">
+            <a:alphaModFix/>
+          </a:blip>
+          <a:srcRect b="83277" l="0" r="0" t="0"/>
+          <a:stretch/>
+        </p:blipFill>
+        <p:spPr>
+          <a:xfrm>
+            <a:off x="5664600" y="2721150"/>
+            <a:ext cx="2232650" cy="860100"/>
+          </a:xfrm>
+          <a:prstGeom prst="rect">
+            <a:avLst/>
+          </a:prstGeom>
+          <a:noFill/>
+          <a:ln>
+            <a:noFill/>
+          </a:ln>
+        </p:spPr>
+      </p:pic>
+      <p:pic>
+        <p:nvPicPr>
+          <p:cNvPr id="327" name="Google Shape;327;p20"/>
+          <p:cNvPicPr preferRelativeResize="0"/>
+          <p:nvPr/>
+        </p:nvPicPr>
+        <p:blipFill rotWithShape="1">
+          <a:blip r:embed="rId4">
+            <a:alphaModFix/>
+          </a:blip>
+          <a:srcRect b="0" l="0" r="0" t="83278"/>
+          <a:stretch/>
+        </p:blipFill>
+        <p:spPr>
+          <a:xfrm>
+            <a:off x="5237925" y="1327500"/>
+            <a:ext cx="2488400" cy="860100"/>
+          </a:xfrm>
+          <a:prstGeom prst="rect">
+            <a:avLst/>
+          </a:prstGeom>
+          <a:noFill/>
+          <a:ln>
+            <a:noFill/>
+          </a:ln>
+        </p:spPr>
+      </p:pic>
     </p:spTree>
   </p:cSld>
   <p:clrMapOvr>
@@ -17377,7 +17532,7 @@
   <p:cSld>
     <p:spTree>
       <p:nvGrpSpPr>
-        <p:cNvPr id="326" name="Shape 326"/>
+        <p:cNvPr id="331" name="Shape 331"/>
         <p:cNvGrpSpPr/>
         <p:nvPr/>
       </p:nvGrpSpPr>
@@ -17391,7 +17546,7 @@
       </p:grpSpPr>
       <p:sp>
         <p:nvSpPr>
-          <p:cNvPr id="327" name="Google Shape;327;p21"/>
+          <p:cNvPr id="332" name="Google Shape;332;p21"/>
           <p:cNvSpPr txBox="1"/>
           <p:nvPr>
             <p:ph type="title"/>
@@ -17431,7 +17586,7 @@
       </p:sp>
       <p:sp>
         <p:nvSpPr>
-          <p:cNvPr id="328" name="Google Shape;328;p21"/>
+          <p:cNvPr id="333" name="Google Shape;333;p21"/>
           <p:cNvSpPr txBox="1"/>
           <p:nvPr>
             <p:ph idx="1" type="body"/>
@@ -17568,6 +17723,89 @@
           </a:p>
         </p:txBody>
       </p:sp>
+      <p:pic>
+        <p:nvPicPr>
+          <p:cNvPr id="334" name="Google Shape;334;p21"/>
+          <p:cNvPicPr preferRelativeResize="0"/>
+          <p:nvPr/>
+        </p:nvPicPr>
+        <p:blipFill rotWithShape="1">
+          <a:blip r:embed="rId3">
+            <a:alphaModFix/>
+          </a:blip>
+          <a:srcRect b="0" l="0" r="0" t="63775"/>
+          <a:stretch/>
+        </p:blipFill>
+        <p:spPr>
+          <a:xfrm>
+            <a:off x="6644725" y="3626048"/>
+            <a:ext cx="1818350" cy="1517449"/>
+          </a:xfrm>
+          <a:prstGeom prst="rect">
+            <a:avLst/>
+          </a:prstGeom>
+          <a:noFill/>
+          <a:ln>
+            <a:noFill/>
+          </a:ln>
+        </p:spPr>
+      </p:pic>
+      <p:pic>
+        <p:nvPicPr>
+          <p:cNvPr id="335" name="Google Shape;335;p21"/>
+          <p:cNvPicPr preferRelativeResize="0"/>
+          <p:nvPr/>
+        </p:nvPicPr>
+        <p:blipFill>
+          <a:blip r:embed="rId4">
+            <a:alphaModFix/>
+          </a:blip>
+          <a:stretch>
+            <a:fillRect/>
+          </a:stretch>
+        </p:blipFill>
+        <p:spPr>
+          <a:xfrm>
+            <a:off x="7299775" y="0"/>
+            <a:ext cx="1738775" cy="3689950"/>
+          </a:xfrm>
+          <a:prstGeom prst="rect">
+            <a:avLst/>
+          </a:prstGeom>
+          <a:noFill/>
+          <a:ln>
+            <a:noFill/>
+          </a:ln>
+        </p:spPr>
+      </p:pic>
+      <p:pic>
+        <p:nvPicPr>
+          <p:cNvPr id="336" name="Google Shape;336;p21"/>
+          <p:cNvPicPr preferRelativeResize="0"/>
+          <p:nvPr/>
+        </p:nvPicPr>
+        <p:blipFill>
+          <a:blip r:embed="rId5">
+            <a:alphaModFix/>
+          </a:blip>
+          <a:stretch>
+            <a:fillRect/>
+          </a:stretch>
+        </p:blipFill>
+        <p:spPr>
+          <a:xfrm>
+            <a:off x="4952400" y="110975"/>
+            <a:ext cx="2124725" cy="2919926"/>
+          </a:xfrm>
+          <a:prstGeom prst="rect">
+            <a:avLst/>
+          </a:prstGeom>
+          <a:noFill/>
+          <a:ln>
+            <a:noFill/>
+          </a:ln>
+        </p:spPr>
+      </p:pic>
     </p:spTree>
   </p:cSld>
   <p:clrMapOvr>
@@ -17577,6 +17815,285 @@
 </file>
 
 <file path=ppt/theme/theme1.xml><?xml version="1.0" encoding="utf-8"?>
+<a:theme xmlns:a="http://schemas.openxmlformats.org/drawingml/2006/main" xmlns:r="http://schemas.openxmlformats.org/officeDocument/2006/relationships">
+  <a:themeElements>
+    <a:clrScheme name="Default">
+      <a:dk1>
+        <a:srgbClr val="000000"/>
+      </a:dk1>
+      <a:lt1>
+        <a:srgbClr val="FFFFFF"/>
+      </a:lt1>
+      <a:dk2>
+        <a:srgbClr val="158158"/>
+      </a:dk2>
+      <a:lt2>
+        <a:srgbClr val="F3F3F3"/>
+      </a:lt2>
+      <a:accent1>
+        <a:srgbClr val="058DC7"/>
+      </a:accent1>
+      <a:accent2>
+        <a:srgbClr val="50B432"/>
+      </a:accent2>
+      <a:accent3>
+        <a:srgbClr val="ED561B"/>
+      </a:accent3>
+      <a:accent4>
+        <a:srgbClr val="EDEF00"/>
+      </a:accent4>
+      <a:accent5>
+        <a:srgbClr val="24CBE5"/>
+      </a:accent5>
+      <a:accent6>
+        <a:srgbClr val="64E572"/>
+      </a:accent6>
+      <a:hlink>
+        <a:srgbClr val="2200CC"/>
+      </a:hlink>
+      <a:folHlink>
+        <a:srgbClr val="551A8B"/>
+      </a:folHlink>
+    </a:clrScheme>
+    <a:fontScheme name="Office">
+      <a:majorFont>
+        <a:latin typeface="Arial"/>
+        <a:ea typeface=""/>
+        <a:cs typeface=""/>
+        <a:font script="Jpan" typeface="ＭＳ Ｐゴシック"/>
+        <a:font script="Hang" typeface="맑은 고딕"/>
+        <a:font script="Hans" typeface="宋体"/>
+        <a:font script="Hant" typeface="新細明體"/>
+        <a:font script="Arab" typeface="Times New Roman"/>
+        <a:font script="Hebr" typeface="Times New Roman"/>
+        <a:font script="Thai" typeface="Angsana New"/>
+        <a:font script="Ethi" typeface="Nyala"/>
+        <a:font script="Beng" typeface="Vrinda"/>
+        <a:font script="Gujr" typeface="Shruti"/>
+        <a:font script="Khmr" typeface="MoolBoran"/>
+        <a:font script="Knda" typeface="Tunga"/>
+        <a:font script="Guru" typeface="Raavi"/>
+        <a:font script="Cans" typeface="Euphemia"/>
+        <a:font script="Cher" typeface="Plantagenet Cherokee"/>
+        <a:font script="Yiii" typeface="Microsoft Yi Baiti"/>
+        <a:font script="Tibt" typeface="Microsoft Himalaya"/>
+        <a:font script="Thaa" typeface="MV Boli"/>
+        <a:font script="Deva" typeface="Mangal"/>
+        <a:font script="Telu" typeface="Gautami"/>
+        <a:font script="Taml" typeface="Latha"/>
+        <a:font script="Syrc" typeface="Estrangelo Edessa"/>
+        <a:font script="Orya" typeface="Kalinga"/>
+        <a:font script="Mlym" typeface="Kartika"/>
+        <a:font script="Laoo" typeface="DokChampa"/>
+        <a:font script="Sinh" typeface="Iskoola Pota"/>
+        <a:font script="Mong" typeface="Mongolian Baiti"/>
+        <a:font script="Viet" typeface="Times New Roman"/>
+        <a:font script="Uigh" typeface="Microsoft Uighur"/>
+        <a:font script="Geor" typeface="Sylfaen"/>
+      </a:majorFont>
+      <a:minorFont>
+        <a:latin typeface="Arial"/>
+        <a:ea typeface=""/>
+        <a:cs typeface=""/>
+        <a:font script="Jpan" typeface="ＭＳ Ｐゴシック"/>
+        <a:font script="Hang" typeface="맑은 고딕"/>
+        <a:font script="Hans" typeface="宋体"/>
+        <a:font script="Hant" typeface="新細明體"/>
+        <a:font script="Arab" typeface="Arial"/>
+        <a:font script="Hebr" typeface="Arial"/>
+        <a:font script="Thai" typeface="Cordia New"/>
+        <a:font script="Ethi" typeface="Nyala"/>
+        <a:font script="Beng" typeface="Vrinda"/>
+        <a:font script="Gujr" typeface="Shruti"/>
+        <a:font script="Khmr" typeface="DaunPenh"/>
+        <a:font script="Knda" typeface="Tunga"/>
+        <a:font script="Guru" typeface="Raavi"/>
+        <a:font script="Cans" typeface="Euphemia"/>
+        <a:font script="Cher" typeface="Plantagenet Cherokee"/>
+        <a:font script="Yiii" typeface="Microsoft Yi Baiti"/>
+        <a:font script="Tibt" typeface="Microsoft Himalaya"/>
+        <a:font script="Thaa" typeface="MV Boli"/>
+        <a:font script="Deva" typeface="Mangal"/>
+        <a:font script="Telu" typeface="Gautami"/>
+        <a:font script="Taml" typeface="Latha"/>
+        <a:font script="Syrc" typeface="Estrangelo Edessa"/>
+        <a:font script="Orya" typeface="Kalinga"/>
+        <a:font script="Mlym" typeface="Kartika"/>
+        <a:font script="Laoo" typeface="DokChampa"/>
+        <a:font script="Sinh" typeface="Iskoola Pota"/>
+        <a:font script="Mong" typeface="Mongolian Baiti"/>
+        <a:font script="Viet" typeface="Arial"/>
+        <a:font script="Uigh" typeface="Microsoft Uighur"/>
+        <a:font script="Geor" typeface="Sylfaen"/>
+      </a:minorFont>
+    </a:fontScheme>
+    <a:fmtScheme name="Office">
+      <a:fillStyleLst>
+        <a:solidFill>
+          <a:schemeClr val="phClr"/>
+        </a:solidFill>
+        <a:gradFill rotWithShape="1">
+          <a:gsLst>
+            <a:gs pos="0">
+              <a:schemeClr val="phClr">
+                <a:tint val="50000"/>
+                <a:satMod val="300000"/>
+              </a:schemeClr>
+            </a:gs>
+            <a:gs pos="35000">
+              <a:schemeClr val="phClr">
+                <a:tint val="37000"/>
+                <a:satMod val="300000"/>
+              </a:schemeClr>
+            </a:gs>
+            <a:gs pos="100000">
+              <a:schemeClr val="phClr">
+                <a:tint val="15000"/>
+                <a:satMod val="350000"/>
+              </a:schemeClr>
+            </a:gs>
+          </a:gsLst>
+          <a:lin ang="16200000" scaled="1"/>
+        </a:gradFill>
+        <a:gradFill rotWithShape="1">
+          <a:gsLst>
+            <a:gs pos="0">
+              <a:schemeClr val="phClr">
+                <a:tint val="100000"/>
+                <a:shade val="100000"/>
+                <a:satMod val="130000"/>
+              </a:schemeClr>
+            </a:gs>
+            <a:gs pos="100000">
+              <a:schemeClr val="phClr">
+                <a:tint val="50000"/>
+                <a:shade val="100000"/>
+                <a:satMod val="350000"/>
+              </a:schemeClr>
+            </a:gs>
+          </a:gsLst>
+          <a:lin ang="16200000" scaled="0"/>
+        </a:gradFill>
+      </a:fillStyleLst>
+      <a:lnStyleLst>
+        <a:ln w="9525" cap="flat" cmpd="sng" algn="ctr">
+          <a:solidFill>
+            <a:schemeClr val="phClr">
+              <a:shade val="95000"/>
+              <a:satMod val="105000"/>
+            </a:schemeClr>
+          </a:solidFill>
+          <a:prstDash val="solid"/>
+        </a:ln>
+        <a:ln w="25400" cap="flat" cmpd="sng" algn="ctr">
+          <a:solidFill>
+            <a:schemeClr val="phClr"/>
+          </a:solidFill>
+          <a:prstDash val="solid"/>
+        </a:ln>
+        <a:ln w="38100" cap="flat" cmpd="sng" algn="ctr">
+          <a:solidFill>
+            <a:schemeClr val="phClr"/>
+          </a:solidFill>
+          <a:prstDash val="solid"/>
+        </a:ln>
+      </a:lnStyleLst>
+      <a:effectStyleLst>
+        <a:effectStyle>
+          <a:effectLst>
+            <a:outerShdw blurRad="40000" dist="20000" dir="5400000" rotWithShape="0">
+              <a:srgbClr val="000000">
+                <a:alpha val="38000"/>
+              </a:srgbClr>
+            </a:outerShdw>
+          </a:effectLst>
+        </a:effectStyle>
+        <a:effectStyle>
+          <a:effectLst>
+            <a:outerShdw blurRad="40000" dist="23000" dir="5400000" rotWithShape="0">
+              <a:srgbClr val="000000">
+                <a:alpha val="35000"/>
+              </a:srgbClr>
+            </a:outerShdw>
+          </a:effectLst>
+        </a:effectStyle>
+        <a:effectStyle>
+          <a:effectLst>
+            <a:outerShdw blurRad="40000" dist="23000" dir="5400000" rotWithShape="0">
+              <a:srgbClr val="000000">
+                <a:alpha val="35000"/>
+              </a:srgbClr>
+            </a:outerShdw>
+          </a:effectLst>
+          <a:scene3d>
+            <a:camera prst="orthographicFront">
+              <a:rot lat="0" lon="0" rev="0"/>
+            </a:camera>
+            <a:lightRig rig="threePt" dir="t">
+              <a:rot lat="0" lon="0" rev="1200000"/>
+            </a:lightRig>
+          </a:scene3d>
+          <a:sp3d>
+            <a:bevelT w="63500" h="25400"/>
+          </a:sp3d>
+        </a:effectStyle>
+      </a:effectStyleLst>
+      <a:bgFillStyleLst>
+        <a:solidFill>
+          <a:schemeClr val="phClr"/>
+        </a:solidFill>
+        <a:gradFill rotWithShape="1">
+          <a:gsLst>
+            <a:gs pos="0">
+              <a:schemeClr val="phClr">
+                <a:tint val="40000"/>
+                <a:satMod val="350000"/>
+              </a:schemeClr>
+            </a:gs>
+            <a:gs pos="40000">
+              <a:schemeClr val="phClr">
+                <a:tint val="45000"/>
+                <a:shade val="99000"/>
+                <a:satMod val="350000"/>
+              </a:schemeClr>
+            </a:gs>
+            <a:gs pos="100000">
+              <a:schemeClr val="phClr">
+                <a:shade val="20000"/>
+                <a:satMod val="255000"/>
+              </a:schemeClr>
+            </a:gs>
+          </a:gsLst>
+          <a:path path="circle">
+            <a:fillToRect l="50000" t="-80000" r="50000" b="180000"/>
+          </a:path>
+        </a:gradFill>
+        <a:gradFill rotWithShape="1">
+          <a:gsLst>
+            <a:gs pos="0">
+              <a:schemeClr val="phClr">
+                <a:tint val="80000"/>
+                <a:satMod val="300000"/>
+              </a:schemeClr>
+            </a:gs>
+            <a:gs pos="100000">
+              <a:schemeClr val="phClr">
+                <a:shade val="30000"/>
+                <a:satMod val="200000"/>
+              </a:schemeClr>
+            </a:gs>
+          </a:gsLst>
+          <a:path path="circle">
+            <a:fillToRect l="50000" t="50000" r="50000" b="50000"/>
+          </a:path>
+        </a:gradFill>
+      </a:bgFillStyleLst>
+    </a:fmtScheme>
+  </a:themeElements>
+</a:theme>
+</file>
+
+<file path=ppt/theme/theme2.xml><?xml version="1.0" encoding="utf-8"?>
 <a:theme xmlns:a="http://schemas.openxmlformats.org/drawingml/2006/main" xmlns:r="http://schemas.openxmlformats.org/officeDocument/2006/relationships" name="Momentum">
   <a:themeElements>
     <a:clrScheme name="Momentum">
@@ -17853,283 +18370,4 @@
     </a:fmtScheme>
   </a:themeElements>
 </a:theme>
-</file>
-
-<file path=ppt/theme/theme2.xml><?xml version="1.0" encoding="utf-8"?>
-<a:theme xmlns:a="http://schemas.openxmlformats.org/drawingml/2006/main" xmlns:r="http://schemas.openxmlformats.org/officeDocument/2006/relationships">
-  <a:themeElements>
-    <a:clrScheme name="Default">
-      <a:dk1>
-        <a:srgbClr val="000000"/>
-      </a:dk1>
-      <a:lt1>
-        <a:srgbClr val="FFFFFF"/>
-      </a:lt1>
-      <a:dk2>
-        <a:srgbClr val="158158"/>
-      </a:dk2>
-      <a:lt2>
-        <a:srgbClr val="F3F3F3"/>
-      </a:lt2>
-      <a:accent1>
-        <a:srgbClr val="058DC7"/>
-      </a:accent1>
-      <a:accent2>
-        <a:srgbClr val="50B432"/>
-      </a:accent2>
-      <a:accent3>
-        <a:srgbClr val="ED561B"/>
-      </a:accent3>
-      <a:accent4>
-        <a:srgbClr val="EDEF00"/>
-      </a:accent4>
-      <a:accent5>
-        <a:srgbClr val="24CBE5"/>
-      </a:accent5>
-      <a:accent6>
-        <a:srgbClr val="64E572"/>
-      </a:accent6>
-      <a:hlink>
-        <a:srgbClr val="2200CC"/>
-      </a:hlink>
-      <a:folHlink>
-        <a:srgbClr val="551A8B"/>
-      </a:folHlink>
-    </a:clrScheme>
-    <a:fontScheme name="Office">
-      <a:majorFont>
-        <a:latin typeface="Arial"/>
-        <a:ea typeface=""/>
-        <a:cs typeface=""/>
-        <a:font script="Jpan" typeface="ＭＳ Ｐゴシック"/>
-        <a:font script="Hang" typeface="맑은 고딕"/>
-        <a:font script="Hans" typeface="宋体"/>
-        <a:font script="Hant" typeface="新細明體"/>
-        <a:font script="Arab" typeface="Times New Roman"/>
-        <a:font script="Hebr" typeface="Times New Roman"/>
-        <a:font script="Thai" typeface="Angsana New"/>
-        <a:font script="Ethi" typeface="Nyala"/>
-        <a:font script="Beng" typeface="Vrinda"/>
-        <a:font script="Gujr" typeface="Shruti"/>
-        <a:font script="Khmr" typeface="MoolBoran"/>
-        <a:font script="Knda" typeface="Tunga"/>
-        <a:font script="Guru" typeface="Raavi"/>
-        <a:font script="Cans" typeface="Euphemia"/>
-        <a:font script="Cher" typeface="Plantagenet Cherokee"/>
-        <a:font script="Yiii" typeface="Microsoft Yi Baiti"/>
-        <a:font script="Tibt" typeface="Microsoft Himalaya"/>
-        <a:font script="Thaa" typeface="MV Boli"/>
-        <a:font script="Deva" typeface="Mangal"/>
-        <a:font script="Telu" typeface="Gautami"/>
-        <a:font script="Taml" typeface="Latha"/>
-        <a:font script="Syrc" typeface="Estrangelo Edessa"/>
-        <a:font script="Orya" typeface="Kalinga"/>
-        <a:font script="Mlym" typeface="Kartika"/>
-        <a:font script="Laoo" typeface="DokChampa"/>
-        <a:font script="Sinh" typeface="Iskoola Pota"/>
-        <a:font script="Mong" typeface="Mongolian Baiti"/>
-        <a:font script="Viet" typeface="Times New Roman"/>
-        <a:font script="Uigh" typeface="Microsoft Uighur"/>
-        <a:font script="Geor" typeface="Sylfaen"/>
-      </a:majorFont>
-      <a:minorFont>
-        <a:latin typeface="Arial"/>
-        <a:ea typeface=""/>
-        <a:cs typeface=""/>
-        <a:font script="Jpan" typeface="ＭＳ Ｐゴシック"/>
-        <a:font script="Hang" typeface="맑은 고딕"/>
-        <a:font script="Hans" typeface="宋体"/>
-        <a:font script="Hant" typeface="新細明體"/>
-        <a:font script="Arab" typeface="Arial"/>
-        <a:font script="Hebr" typeface="Arial"/>
-        <a:font script="Thai" typeface="Cordia New"/>
-        <a:font script="Ethi" typeface="Nyala"/>
-        <a:font script="Beng" typeface="Vrinda"/>
-        <a:font script="Gujr" typeface="Shruti"/>
-        <a:font script="Khmr" typeface="DaunPenh"/>
-        <a:font script="Knda" typeface="Tunga"/>
-        <a:font script="Guru" typeface="Raavi"/>
-        <a:font script="Cans" typeface="Euphemia"/>
-        <a:font script="Cher" typeface="Plantagenet Cherokee"/>
-        <a:font script="Yiii" typeface="Microsoft Yi Baiti"/>
-        <a:font script="Tibt" typeface="Microsoft Himalaya"/>
-        <a:font script="Thaa" typeface="MV Boli"/>
-        <a:font script="Deva" typeface="Mangal"/>
-        <a:font script="Telu" typeface="Gautami"/>
-        <a:font script="Taml" typeface="Latha"/>
-        <a:font script="Syrc" typeface="Estrangelo Edessa"/>
-        <a:font script="Orya" typeface="Kalinga"/>
-        <a:font script="Mlym" typeface="Kartika"/>
-        <a:font script="Laoo" typeface="DokChampa"/>
-        <a:font script="Sinh" typeface="Iskoola Pota"/>
-        <a:font script="Mong" typeface="Mongolian Baiti"/>
-        <a:font script="Viet" typeface="Arial"/>
-        <a:font script="Uigh" typeface="Microsoft Uighur"/>
-        <a:font script="Geor" typeface="Sylfaen"/>
-      </a:minorFont>
-    </a:fontScheme>
-    <a:fmtScheme name="Office">
-      <a:fillStyleLst>
-        <a:solidFill>
-          <a:schemeClr val="phClr"/>
-        </a:solidFill>
-        <a:gradFill rotWithShape="1">
-          <a:gsLst>
-            <a:gs pos="0">
-              <a:schemeClr val="phClr">
-                <a:tint val="50000"/>
-                <a:satMod val="300000"/>
-              </a:schemeClr>
-            </a:gs>
-            <a:gs pos="35000">
-              <a:schemeClr val="phClr">
-                <a:tint val="37000"/>
-                <a:satMod val="300000"/>
-              </a:schemeClr>
-            </a:gs>
-            <a:gs pos="100000">
-              <a:schemeClr val="phClr">
-                <a:tint val="15000"/>
-                <a:satMod val="350000"/>
-              </a:schemeClr>
-            </a:gs>
-          </a:gsLst>
-          <a:lin ang="16200000" scaled="1"/>
-        </a:gradFill>
-        <a:gradFill rotWithShape="1">
-          <a:gsLst>
-            <a:gs pos="0">
-              <a:schemeClr val="phClr">
-                <a:tint val="100000"/>
-                <a:shade val="100000"/>
-                <a:satMod val="130000"/>
-              </a:schemeClr>
-            </a:gs>
-            <a:gs pos="100000">
-              <a:schemeClr val="phClr">
-                <a:tint val="50000"/>
-                <a:shade val="100000"/>
-                <a:satMod val="350000"/>
-              </a:schemeClr>
-            </a:gs>
-          </a:gsLst>
-          <a:lin ang="16200000" scaled="0"/>
-        </a:gradFill>
-      </a:fillStyleLst>
-      <a:lnStyleLst>
-        <a:ln w="9525" cap="flat" cmpd="sng" algn="ctr">
-          <a:solidFill>
-            <a:schemeClr val="phClr">
-              <a:shade val="95000"/>
-              <a:satMod val="105000"/>
-            </a:schemeClr>
-          </a:solidFill>
-          <a:prstDash val="solid"/>
-        </a:ln>
-        <a:ln w="25400" cap="flat" cmpd="sng" algn="ctr">
-          <a:solidFill>
-            <a:schemeClr val="phClr"/>
-          </a:solidFill>
-          <a:prstDash val="solid"/>
-        </a:ln>
-        <a:ln w="38100" cap="flat" cmpd="sng" algn="ctr">
-          <a:solidFill>
-            <a:schemeClr val="phClr"/>
-          </a:solidFill>
-          <a:prstDash val="solid"/>
-        </a:ln>
-      </a:lnStyleLst>
-      <a:effectStyleLst>
-        <a:effectStyle>
-          <a:effectLst>
-            <a:outerShdw blurRad="40000" dist="20000" dir="5400000" rotWithShape="0">
-              <a:srgbClr val="000000">
-                <a:alpha val="38000"/>
-              </a:srgbClr>
-            </a:outerShdw>
-          </a:effectLst>
-        </a:effectStyle>
-        <a:effectStyle>
-          <a:effectLst>
-            <a:outerShdw blurRad="40000" dist="23000" dir="5400000" rotWithShape="0">
-              <a:srgbClr val="000000">
-                <a:alpha val="35000"/>
-              </a:srgbClr>
-            </a:outerShdw>
-          </a:effectLst>
-        </a:effectStyle>
-        <a:effectStyle>
-          <a:effectLst>
-            <a:outerShdw blurRad="40000" dist="23000" dir="5400000" rotWithShape="0">
-              <a:srgbClr val="000000">
-                <a:alpha val="35000"/>
-              </a:srgbClr>
-            </a:outerShdw>
-          </a:effectLst>
-          <a:scene3d>
-            <a:camera prst="orthographicFront">
-              <a:rot lat="0" lon="0" rev="0"/>
-            </a:camera>
-            <a:lightRig rig="threePt" dir="t">
-              <a:rot lat="0" lon="0" rev="1200000"/>
-            </a:lightRig>
-          </a:scene3d>
-          <a:sp3d>
-            <a:bevelT w="63500" h="25400"/>
-          </a:sp3d>
-        </a:effectStyle>
-      </a:effectStyleLst>
-      <a:bgFillStyleLst>
-        <a:solidFill>
-          <a:schemeClr val="phClr"/>
-        </a:solidFill>
-        <a:gradFill rotWithShape="1">
-          <a:gsLst>
-            <a:gs pos="0">
-              <a:schemeClr val="phClr">
-                <a:tint val="40000"/>
-                <a:satMod val="350000"/>
-              </a:schemeClr>
-            </a:gs>
-            <a:gs pos="40000">
-              <a:schemeClr val="phClr">
-                <a:tint val="45000"/>
-                <a:shade val="99000"/>
-                <a:satMod val="350000"/>
-              </a:schemeClr>
-            </a:gs>
-            <a:gs pos="100000">
-              <a:schemeClr val="phClr">
-                <a:shade val="20000"/>
-                <a:satMod val="255000"/>
-              </a:schemeClr>
-            </a:gs>
-          </a:gsLst>
-          <a:path path="circle">
-            <a:fillToRect l="50000" t="-80000" r="50000" b="180000"/>
-          </a:path>
-        </a:gradFill>
-        <a:gradFill rotWithShape="1">
-          <a:gsLst>
-            <a:gs pos="0">
-              <a:schemeClr val="phClr">
-                <a:tint val="80000"/>
-                <a:satMod val="300000"/>
-              </a:schemeClr>
-            </a:gs>
-            <a:gs pos="100000">
-              <a:schemeClr val="phClr">
-                <a:shade val="30000"/>
-                <a:satMod val="200000"/>
-              </a:schemeClr>
-            </a:gs>
-          </a:gsLst>
-          <a:path path="circle">
-            <a:fillToRect l="50000" t="50000" r="50000" b="50000"/>
-          </a:path>
-        </a:gradFill>
-      </a:bgFillStyleLst>
-    </a:fmtScheme>
-  </a:themeElements>
-</a:theme>
 </file>